--- a/figures/case_study.pptx
+++ b/figures/case_study.pptx
@@ -120,12 +120,12 @@
   <pc:docChgLst>
     <pc:chgData name="Emily Alger" userId="76f5092c-d121-46ae-b2ca-9f7db7604ced" providerId="ADAL" clId="{E78AC1E2-C9C0-4664-80FC-7AAA10329627}"/>
     <pc:docChg chg="undo custSel modSld">
-      <pc:chgData name="Emily Alger" userId="76f5092c-d121-46ae-b2ca-9f7db7604ced" providerId="ADAL" clId="{E78AC1E2-C9C0-4664-80FC-7AAA10329627}" dt="2025-09-18T15:10:09.146" v="112" actId="6549"/>
+      <pc:chgData name="Emily Alger" userId="76f5092c-d121-46ae-b2ca-9f7db7604ced" providerId="ADAL" clId="{E78AC1E2-C9C0-4664-80FC-7AAA10329627}" dt="2025-09-19T15:14:02.624" v="116" actId="12789"/>
       <pc:docMkLst>
         <pc:docMk/>
       </pc:docMkLst>
       <pc:sldChg chg="modSp mod">
-        <pc:chgData name="Emily Alger" userId="76f5092c-d121-46ae-b2ca-9f7db7604ced" providerId="ADAL" clId="{E78AC1E2-C9C0-4664-80FC-7AAA10329627}" dt="2025-09-18T15:10:09.146" v="112" actId="6549"/>
+        <pc:chgData name="Emily Alger" userId="76f5092c-d121-46ae-b2ca-9f7db7604ced" providerId="ADAL" clId="{E78AC1E2-C9C0-4664-80FC-7AAA10329627}" dt="2025-09-19T15:14:02.624" v="116" actId="12789"/>
         <pc:sldMkLst>
           <pc:docMk/>
           <pc:sldMk cId="937826428" sldId="256"/>
@@ -139,7 +139,7 @@
           </ac:spMkLst>
         </pc:spChg>
         <pc:spChg chg="mod">
-          <ac:chgData name="Emily Alger" userId="76f5092c-d121-46ae-b2ca-9f7db7604ced" providerId="ADAL" clId="{E78AC1E2-C9C0-4664-80FC-7AAA10329627}" dt="2025-09-18T15:10:00.165" v="109" actId="1035"/>
+          <ac:chgData name="Emily Alger" userId="76f5092c-d121-46ae-b2ca-9f7db7604ced" providerId="ADAL" clId="{E78AC1E2-C9C0-4664-80FC-7AAA10329627}" dt="2025-09-19T15:13:37.985" v="113" actId="2711"/>
           <ac:spMkLst>
             <pc:docMk/>
             <pc:sldMk cId="937826428" sldId="256"/>
@@ -147,7 +147,7 @@
           </ac:spMkLst>
         </pc:spChg>
         <pc:spChg chg="mod">
-          <ac:chgData name="Emily Alger" userId="76f5092c-d121-46ae-b2ca-9f7db7604ced" providerId="ADAL" clId="{E78AC1E2-C9C0-4664-80FC-7AAA10329627}" dt="2025-09-18T11:54:02.141" v="62" actId="12789"/>
+          <ac:chgData name="Emily Alger" userId="76f5092c-d121-46ae-b2ca-9f7db7604ced" providerId="ADAL" clId="{E78AC1E2-C9C0-4664-80FC-7AAA10329627}" dt="2025-09-19T15:14:02.624" v="116" actId="12789"/>
           <ac:spMkLst>
             <pc:docMk/>
             <pc:sldMk cId="937826428" sldId="256"/>
@@ -155,7 +155,7 @@
           </ac:spMkLst>
         </pc:spChg>
         <pc:spChg chg="mod">
-          <ac:chgData name="Emily Alger" userId="76f5092c-d121-46ae-b2ca-9f7db7604ced" providerId="ADAL" clId="{E78AC1E2-C9C0-4664-80FC-7AAA10329627}" dt="2025-09-18T15:10:00.165" v="109" actId="1035"/>
+          <ac:chgData name="Emily Alger" userId="76f5092c-d121-46ae-b2ca-9f7db7604ced" providerId="ADAL" clId="{E78AC1E2-C9C0-4664-80FC-7AAA10329627}" dt="2025-09-19T15:13:37.985" v="113" actId="2711"/>
           <ac:spMkLst>
             <pc:docMk/>
             <pc:sldMk cId="937826428" sldId="256"/>
@@ -163,7 +163,7 @@
           </ac:spMkLst>
         </pc:spChg>
         <pc:spChg chg="mod">
-          <ac:chgData name="Emily Alger" userId="76f5092c-d121-46ae-b2ca-9f7db7604ced" providerId="ADAL" clId="{E78AC1E2-C9C0-4664-80FC-7AAA10329627}" dt="2025-09-18T08:38:07.118" v="25" actId="1037"/>
+          <ac:chgData name="Emily Alger" userId="76f5092c-d121-46ae-b2ca-9f7db7604ced" providerId="ADAL" clId="{E78AC1E2-C9C0-4664-80FC-7AAA10329627}" dt="2025-09-19T15:13:37.985" v="113" actId="2711"/>
           <ac:spMkLst>
             <pc:docMk/>
             <pc:sldMk cId="937826428" sldId="256"/>
@@ -195,7 +195,7 @@
           </ac:spMkLst>
         </pc:spChg>
         <pc:spChg chg="mod">
-          <ac:chgData name="Emily Alger" userId="76f5092c-d121-46ae-b2ca-9f7db7604ced" providerId="ADAL" clId="{E78AC1E2-C9C0-4664-80FC-7AAA10329627}" dt="2025-09-18T11:53:49.553" v="60" actId="12789"/>
+          <ac:chgData name="Emily Alger" userId="76f5092c-d121-46ae-b2ca-9f7db7604ced" providerId="ADAL" clId="{E78AC1E2-C9C0-4664-80FC-7AAA10329627}" dt="2025-09-19T15:13:37.985" v="113" actId="2711"/>
           <ac:spMkLst>
             <pc:docMk/>
             <pc:sldMk cId="937826428" sldId="256"/>
@@ -219,7 +219,7 @@
           </ac:spMkLst>
         </pc:spChg>
         <pc:spChg chg="mod">
-          <ac:chgData name="Emily Alger" userId="76f5092c-d121-46ae-b2ca-9f7db7604ced" providerId="ADAL" clId="{E78AC1E2-C9C0-4664-80FC-7AAA10329627}" dt="2025-09-18T15:10:00.165" v="109" actId="1035"/>
+          <ac:chgData name="Emily Alger" userId="76f5092c-d121-46ae-b2ca-9f7db7604ced" providerId="ADAL" clId="{E78AC1E2-C9C0-4664-80FC-7AAA10329627}" dt="2025-09-19T15:13:37.985" v="113" actId="2711"/>
           <ac:spMkLst>
             <pc:docMk/>
             <pc:sldMk cId="937826428" sldId="256"/>
@@ -227,7 +227,7 @@
           </ac:spMkLst>
         </pc:spChg>
         <pc:spChg chg="mod">
-          <ac:chgData name="Emily Alger" userId="76f5092c-d121-46ae-b2ca-9f7db7604ced" providerId="ADAL" clId="{E78AC1E2-C9C0-4664-80FC-7AAA10329627}" dt="2025-09-18T15:10:00.165" v="109" actId="1035"/>
+          <ac:chgData name="Emily Alger" userId="76f5092c-d121-46ae-b2ca-9f7db7604ced" providerId="ADAL" clId="{E78AC1E2-C9C0-4664-80FC-7AAA10329627}" dt="2025-09-19T15:13:37.985" v="113" actId="2711"/>
           <ac:spMkLst>
             <pc:docMk/>
             <pc:sldMk cId="937826428" sldId="256"/>
@@ -243,7 +243,7 @@
           </ac:spMkLst>
         </pc:spChg>
         <pc:spChg chg="mod">
-          <ac:chgData name="Emily Alger" userId="76f5092c-d121-46ae-b2ca-9f7db7604ced" providerId="ADAL" clId="{E78AC1E2-C9C0-4664-80FC-7AAA10329627}" dt="2025-09-18T11:54:02.141" v="62" actId="12789"/>
+          <ac:chgData name="Emily Alger" userId="76f5092c-d121-46ae-b2ca-9f7db7604ced" providerId="ADAL" clId="{E78AC1E2-C9C0-4664-80FC-7AAA10329627}" dt="2025-09-19T15:14:02.624" v="116" actId="12789"/>
           <ac:spMkLst>
             <pc:docMk/>
             <pc:sldMk cId="937826428" sldId="256"/>
@@ -251,7 +251,7 @@
           </ac:spMkLst>
         </pc:spChg>
         <pc:spChg chg="mod">
-          <ac:chgData name="Emily Alger" userId="76f5092c-d121-46ae-b2ca-9f7db7604ced" providerId="ADAL" clId="{E78AC1E2-C9C0-4664-80FC-7AAA10329627}" dt="2025-09-18T11:54:02.141" v="62" actId="12789"/>
+          <ac:chgData name="Emily Alger" userId="76f5092c-d121-46ae-b2ca-9f7db7604ced" providerId="ADAL" clId="{E78AC1E2-C9C0-4664-80FC-7AAA10329627}" dt="2025-09-19T15:14:02.624" v="116" actId="12789"/>
           <ac:spMkLst>
             <pc:docMk/>
             <pc:sldMk cId="937826428" sldId="256"/>
@@ -259,7 +259,7 @@
           </ac:spMkLst>
         </pc:spChg>
         <pc:spChg chg="mod">
-          <ac:chgData name="Emily Alger" userId="76f5092c-d121-46ae-b2ca-9f7db7604ced" providerId="ADAL" clId="{E78AC1E2-C9C0-4664-80FC-7AAA10329627}" dt="2025-09-18T15:10:00.165" v="109" actId="1035"/>
+          <ac:chgData name="Emily Alger" userId="76f5092c-d121-46ae-b2ca-9f7db7604ced" providerId="ADAL" clId="{E78AC1E2-C9C0-4664-80FC-7AAA10329627}" dt="2025-09-19T15:13:37.985" v="113" actId="2711"/>
           <ac:spMkLst>
             <pc:docMk/>
             <pc:sldMk cId="937826428" sldId="256"/>
@@ -267,7 +267,7 @@
           </ac:spMkLst>
         </pc:spChg>
         <pc:spChg chg="mod">
-          <ac:chgData name="Emily Alger" userId="76f5092c-d121-46ae-b2ca-9f7db7604ced" providerId="ADAL" clId="{E78AC1E2-C9C0-4664-80FC-7AAA10329627}" dt="2025-09-18T15:10:00.165" v="109" actId="1035"/>
+          <ac:chgData name="Emily Alger" userId="76f5092c-d121-46ae-b2ca-9f7db7604ced" providerId="ADAL" clId="{E78AC1E2-C9C0-4664-80FC-7AAA10329627}" dt="2025-09-19T15:13:37.985" v="113" actId="2711"/>
           <ac:spMkLst>
             <pc:docMk/>
             <pc:sldMk cId="937826428" sldId="256"/>
@@ -291,7 +291,7 @@
           </ac:spMkLst>
         </pc:spChg>
         <pc:spChg chg="mod">
-          <ac:chgData name="Emily Alger" userId="76f5092c-d121-46ae-b2ca-9f7db7604ced" providerId="ADAL" clId="{E78AC1E2-C9C0-4664-80FC-7AAA10329627}" dt="2025-09-18T15:10:09.146" v="112" actId="6549"/>
+          <ac:chgData name="Emily Alger" userId="76f5092c-d121-46ae-b2ca-9f7db7604ced" providerId="ADAL" clId="{E78AC1E2-C9C0-4664-80FC-7AAA10329627}" dt="2025-09-19T15:14:02.624" v="116" actId="12789"/>
           <ac:spMkLst>
             <pc:docMk/>
             <pc:sldMk cId="937826428" sldId="256"/>
@@ -418,7 +418,7 @@
           <a:p>
             <a:fld id="{FA426993-066B-4848-8850-0B16CB6DDF3B}" type="datetimeFigureOut">
               <a:rPr lang="en-GB" smtClean="0"/>
-              <a:t>18/09/2025</a:t>
+              <a:t>19/09/2025</a:t>
             </a:fld>
             <a:endParaRPr lang="en-GB"/>
           </a:p>
@@ -901,7 +901,7 @@
           <a:p>
             <a:fld id="{DE3CCEF4-2ED2-4CC9-8E49-9CFB31B91167}" type="datetimeFigureOut">
               <a:rPr lang="en-GB" smtClean="0"/>
-              <a:t>18/09/2025</a:t>
+              <a:t>19/09/2025</a:t>
             </a:fld>
             <a:endParaRPr lang="en-GB"/>
           </a:p>
@@ -1071,7 +1071,7 @@
           <a:p>
             <a:fld id="{DE3CCEF4-2ED2-4CC9-8E49-9CFB31B91167}" type="datetimeFigureOut">
               <a:rPr lang="en-GB" smtClean="0"/>
-              <a:t>18/09/2025</a:t>
+              <a:t>19/09/2025</a:t>
             </a:fld>
             <a:endParaRPr lang="en-GB"/>
           </a:p>
@@ -1251,7 +1251,7 @@
           <a:p>
             <a:fld id="{DE3CCEF4-2ED2-4CC9-8E49-9CFB31B91167}" type="datetimeFigureOut">
               <a:rPr lang="en-GB" smtClean="0"/>
-              <a:t>18/09/2025</a:t>
+              <a:t>19/09/2025</a:t>
             </a:fld>
             <a:endParaRPr lang="en-GB"/>
           </a:p>
@@ -1421,7 +1421,7 @@
           <a:p>
             <a:fld id="{DE3CCEF4-2ED2-4CC9-8E49-9CFB31B91167}" type="datetimeFigureOut">
               <a:rPr lang="en-GB" smtClean="0"/>
-              <a:t>18/09/2025</a:t>
+              <a:t>19/09/2025</a:t>
             </a:fld>
             <a:endParaRPr lang="en-GB"/>
           </a:p>
@@ -1667,7 +1667,7 @@
           <a:p>
             <a:fld id="{DE3CCEF4-2ED2-4CC9-8E49-9CFB31B91167}" type="datetimeFigureOut">
               <a:rPr lang="en-GB" smtClean="0"/>
-              <a:t>18/09/2025</a:t>
+              <a:t>19/09/2025</a:t>
             </a:fld>
             <a:endParaRPr lang="en-GB"/>
           </a:p>
@@ -1899,7 +1899,7 @@
           <a:p>
             <a:fld id="{DE3CCEF4-2ED2-4CC9-8E49-9CFB31B91167}" type="datetimeFigureOut">
               <a:rPr lang="en-GB" smtClean="0"/>
-              <a:t>18/09/2025</a:t>
+              <a:t>19/09/2025</a:t>
             </a:fld>
             <a:endParaRPr lang="en-GB"/>
           </a:p>
@@ -2266,7 +2266,7 @@
           <a:p>
             <a:fld id="{DE3CCEF4-2ED2-4CC9-8E49-9CFB31B91167}" type="datetimeFigureOut">
               <a:rPr lang="en-GB" smtClean="0"/>
-              <a:t>18/09/2025</a:t>
+              <a:t>19/09/2025</a:t>
             </a:fld>
             <a:endParaRPr lang="en-GB"/>
           </a:p>
@@ -2384,7 +2384,7 @@
           <a:p>
             <a:fld id="{DE3CCEF4-2ED2-4CC9-8E49-9CFB31B91167}" type="datetimeFigureOut">
               <a:rPr lang="en-GB" smtClean="0"/>
-              <a:t>18/09/2025</a:t>
+              <a:t>19/09/2025</a:t>
             </a:fld>
             <a:endParaRPr lang="en-GB"/>
           </a:p>
@@ -2479,7 +2479,7 @@
           <a:p>
             <a:fld id="{DE3CCEF4-2ED2-4CC9-8E49-9CFB31B91167}" type="datetimeFigureOut">
               <a:rPr lang="en-GB" smtClean="0"/>
-              <a:t>18/09/2025</a:t>
+              <a:t>19/09/2025</a:t>
             </a:fld>
             <a:endParaRPr lang="en-GB"/>
           </a:p>
@@ -2756,7 +2756,7 @@
           <a:p>
             <a:fld id="{DE3CCEF4-2ED2-4CC9-8E49-9CFB31B91167}" type="datetimeFigureOut">
               <a:rPr lang="en-GB" smtClean="0"/>
-              <a:t>18/09/2025</a:t>
+              <a:t>19/09/2025</a:t>
             </a:fld>
             <a:endParaRPr lang="en-GB"/>
           </a:p>
@@ -3013,7 +3013,7 @@
           <a:p>
             <a:fld id="{DE3CCEF4-2ED2-4CC9-8E49-9CFB31B91167}" type="datetimeFigureOut">
               <a:rPr lang="en-GB" smtClean="0"/>
-              <a:t>18/09/2025</a:t>
+              <a:t>19/09/2025</a:t>
             </a:fld>
             <a:endParaRPr lang="en-GB"/>
           </a:p>
@@ -3226,7 +3226,7 @@
           <a:p>
             <a:fld id="{DE3CCEF4-2ED2-4CC9-8E49-9CFB31B91167}" type="datetimeFigureOut">
               <a:rPr lang="en-GB" smtClean="0"/>
-              <a:t>18/09/2025</a:t>
+              <a:t>19/09/2025</a:t>
             </a:fld>
             <a:endParaRPr lang="en-GB"/>
           </a:p>
@@ -3845,7 +3845,7 @@
         <p:spPr>
           <a:xfrm>
             <a:off x="5572359" y="2543722"/>
-            <a:ext cx="1096775" cy="369332"/>
+            <a:ext cx="1167948" cy="369332"/>
           </a:xfrm>
           <a:prstGeom prst="rect">
             <a:avLst/>
@@ -3867,6 +3867,8 @@
                     <a:lumMod val="50000"/>
                   </a:schemeClr>
                 </a:solidFill>
+                <a:latin typeface="Arial" panose="020B0604020202020204" pitchFamily="34" charset="0"/>
+                <a:cs typeface="Arial" panose="020B0604020202020204" pitchFamily="34" charset="0"/>
               </a:rPr>
               <a:t>Ties: 522</a:t>
             </a:r>
@@ -3876,6 +3878,8 @@
                   <a:lumMod val="50000"/>
                 </a:schemeClr>
               </a:solidFill>
+              <a:latin typeface="Arial" panose="020B0604020202020204" pitchFamily="34" charset="0"/>
+              <a:cs typeface="Arial" panose="020B0604020202020204" pitchFamily="34" charset="0"/>
             </a:endParaRPr>
           </a:p>
         </p:txBody>
@@ -3895,7 +3899,7 @@
         <p:spPr>
           <a:xfrm>
             <a:off x="5572359" y="4808930"/>
-            <a:ext cx="1096775" cy="369332"/>
+            <a:ext cx="1167948" cy="369332"/>
           </a:xfrm>
           <a:prstGeom prst="rect">
             <a:avLst/>
@@ -3917,6 +3921,8 @@
                     <a:lumMod val="50000"/>
                   </a:schemeClr>
                 </a:solidFill>
+                <a:latin typeface="Arial" panose="020B0604020202020204" pitchFamily="34" charset="0"/>
+                <a:cs typeface="Arial" panose="020B0604020202020204" pitchFamily="34" charset="0"/>
               </a:rPr>
               <a:t>Ties: 352</a:t>
             </a:r>
@@ -3926,6 +3932,8 @@
                   <a:lumMod val="50000"/>
                 </a:schemeClr>
               </a:solidFill>
+              <a:latin typeface="Arial" panose="020B0604020202020204" pitchFamily="34" charset="0"/>
+              <a:cs typeface="Arial" panose="020B0604020202020204" pitchFamily="34" charset="0"/>
             </a:endParaRPr>
           </a:p>
         </p:txBody>
@@ -3944,8 +3952,8 @@
         </p:nvSpPr>
         <p:spPr>
           <a:xfrm>
-            <a:off x="5554726" y="10290443"/>
-            <a:ext cx="1132041" cy="461665"/>
+            <a:off x="5554726" y="10176702"/>
+            <a:ext cx="1225015" cy="461665"/>
           </a:xfrm>
           <a:prstGeom prst="rect">
             <a:avLst/>
@@ -3962,33 +3970,41 @@
           <a:lstStyle/>
           <a:p>
             <a:r>
-              <a:rPr lang="en-US" sz="2400" b="1" dirty="0">
+              <a:rPr lang="en-US" sz="2300" b="1" dirty="0">
                 <a:solidFill>
                   <a:sysClr val="windowText" lastClr="000000"/>
                 </a:solidFill>
+                <a:latin typeface="Arial" panose="020B0604020202020204" pitchFamily="34" charset="0"/>
+                <a:cs typeface="Arial" panose="020B0604020202020204" pitchFamily="34" charset="0"/>
               </a:rPr>
               <a:t>N</a:t>
             </a:r>
             <a:r>
-              <a:rPr lang="en-US" sz="2400" b="1" baseline="-25000" dirty="0">
+              <a:rPr lang="en-US" sz="2300" b="1" baseline="-25000" dirty="0">
                 <a:solidFill>
                   <a:sysClr val="windowText" lastClr="000000"/>
                 </a:solidFill>
+                <a:latin typeface="Arial" panose="020B0604020202020204" pitchFamily="34" charset="0"/>
+                <a:cs typeface="Arial" panose="020B0604020202020204" pitchFamily="34" charset="0"/>
               </a:rPr>
               <a:t>T</a:t>
             </a:r>
             <a:r>
-              <a:rPr lang="en-US" sz="2400" b="1" dirty="0">
+              <a:rPr lang="en-US" sz="2300" b="1" dirty="0">
                 <a:solidFill>
                   <a:sysClr val="windowText" lastClr="000000"/>
                 </a:solidFill>
+                <a:latin typeface="Arial" panose="020B0604020202020204" pitchFamily="34" charset="0"/>
+                <a:cs typeface="Arial" panose="020B0604020202020204" pitchFamily="34" charset="0"/>
               </a:rPr>
               <a:t> = 36</a:t>
             </a:r>
-            <a:endParaRPr lang="en-GB" sz="2400" b="1" dirty="0">
+            <a:endParaRPr lang="en-GB" sz="2300" b="1" dirty="0">
               <a:solidFill>
                 <a:sysClr val="windowText" lastClr="000000"/>
               </a:solidFill>
+              <a:latin typeface="Arial" panose="020B0604020202020204" pitchFamily="34" charset="0"/>
+              <a:cs typeface="Arial" panose="020B0604020202020204" pitchFamily="34" charset="0"/>
             </a:endParaRPr>
           </a:p>
         </p:txBody>
@@ -4008,7 +4024,7 @@
         <p:spPr>
           <a:xfrm>
             <a:off x="5572359" y="7131028"/>
-            <a:ext cx="1096775" cy="369332"/>
+            <a:ext cx="1167948" cy="369332"/>
           </a:xfrm>
           <a:prstGeom prst="rect">
             <a:avLst/>
@@ -4030,6 +4046,8 @@
                     <a:lumMod val="50000"/>
                   </a:schemeClr>
                 </a:solidFill>
+                <a:latin typeface="Arial" panose="020B0604020202020204" pitchFamily="34" charset="0"/>
+                <a:cs typeface="Arial" panose="020B0604020202020204" pitchFamily="34" charset="0"/>
               </a:rPr>
               <a:t>Ties: 184</a:t>
             </a:r>
@@ -4039,6 +4057,8 @@
                   <a:lumMod val="50000"/>
                 </a:schemeClr>
               </a:solidFill>
+              <a:latin typeface="Arial" panose="020B0604020202020204" pitchFamily="34" charset="0"/>
+              <a:cs typeface="Arial" panose="020B0604020202020204" pitchFamily="34" charset="0"/>
             </a:endParaRPr>
           </a:p>
         </p:txBody>
@@ -4057,8 +4077,8 @@
         </p:nvSpPr>
         <p:spPr>
           <a:xfrm>
-            <a:off x="7148655" y="229227"/>
-            <a:ext cx="1777731" cy="646331"/>
+            <a:off x="7073154" y="229227"/>
+            <a:ext cx="1928733" cy="646331"/>
           </a:xfrm>
           <a:prstGeom prst="rect">
             <a:avLst/>
@@ -4080,25 +4100,40 @@
           <a:p>
             <a:pPr algn="ctr"/>
             <a:r>
-              <a:rPr lang="en-US" b="1" dirty="0"/>
+              <a:rPr lang="en-US" b="1" dirty="0">
+                <a:latin typeface="Arial" panose="020B0604020202020204" pitchFamily="34" charset="0"/>
+                <a:cs typeface="Arial" panose="020B0604020202020204" pitchFamily="34" charset="0"/>
+              </a:rPr>
               <a:t>Pairs </a:t>
             </a:r>
             <a:r>
-              <a:rPr lang="en-US" b="1" dirty="0" err="1"/>
+              <a:rPr lang="en-US" b="1" dirty="0" err="1">
+                <a:latin typeface="Arial" panose="020B0604020202020204" pitchFamily="34" charset="0"/>
+                <a:cs typeface="Arial" panose="020B0604020202020204" pitchFamily="34" charset="0"/>
+              </a:rPr>
               <a:t>favouring</a:t>
             </a:r>
             <a:r>
-              <a:rPr lang="en-US" b="1" dirty="0"/>
+              <a:rPr lang="en-US" b="1" dirty="0">
+                <a:latin typeface="Arial" panose="020B0604020202020204" pitchFamily="34" charset="0"/>
+                <a:cs typeface="Arial" panose="020B0604020202020204" pitchFamily="34" charset="0"/>
+              </a:rPr>
               <a:t> </a:t>
             </a:r>
           </a:p>
           <a:p>
             <a:pPr algn="ctr"/>
             <a:r>
-              <a:rPr lang="en-US" b="1" dirty="0"/>
+              <a:rPr lang="en-US" b="1" dirty="0">
+                <a:latin typeface="Arial" panose="020B0604020202020204" pitchFamily="34" charset="0"/>
+                <a:cs typeface="Arial" panose="020B0604020202020204" pitchFamily="34" charset="0"/>
+              </a:rPr>
               <a:t>Dose B</a:t>
             </a:r>
-            <a:endParaRPr lang="en-GB" b="1" dirty="0"/>
+            <a:endParaRPr lang="en-GB" b="1" dirty="0">
+              <a:latin typeface="Arial" panose="020B0604020202020204" pitchFamily="34" charset="0"/>
+              <a:cs typeface="Arial" panose="020B0604020202020204" pitchFamily="34" charset="0"/>
+            </a:endParaRPr>
           </a:p>
         </p:txBody>
       </p:sp>
@@ -4116,8 +4151,8 @@
         </p:nvSpPr>
         <p:spPr>
           <a:xfrm>
-            <a:off x="3036127" y="227546"/>
-            <a:ext cx="1777731" cy="646331"/>
+            <a:off x="2960626" y="227546"/>
+            <a:ext cx="1928733" cy="646331"/>
           </a:xfrm>
           <a:prstGeom prst="rect">
             <a:avLst/>
@@ -4139,25 +4174,40 @@
           <a:p>
             <a:pPr algn="ctr"/>
             <a:r>
-              <a:rPr lang="en-US" b="1" dirty="0"/>
+              <a:rPr lang="en-US" b="1" dirty="0">
+                <a:latin typeface="Arial" panose="020B0604020202020204" pitchFamily="34" charset="0"/>
+                <a:cs typeface="Arial" panose="020B0604020202020204" pitchFamily="34" charset="0"/>
+              </a:rPr>
               <a:t>Pairs </a:t>
             </a:r>
             <a:r>
-              <a:rPr lang="en-US" b="1" dirty="0" err="1"/>
+              <a:rPr lang="en-US" b="1" dirty="0" err="1">
+                <a:latin typeface="Arial" panose="020B0604020202020204" pitchFamily="34" charset="0"/>
+                <a:cs typeface="Arial" panose="020B0604020202020204" pitchFamily="34" charset="0"/>
+              </a:rPr>
               <a:t>favouring</a:t>
             </a:r>
             <a:r>
-              <a:rPr lang="en-US" b="1" dirty="0"/>
+              <a:rPr lang="en-US" b="1" dirty="0">
+                <a:latin typeface="Arial" panose="020B0604020202020204" pitchFamily="34" charset="0"/>
+                <a:cs typeface="Arial" panose="020B0604020202020204" pitchFamily="34" charset="0"/>
+              </a:rPr>
               <a:t> </a:t>
             </a:r>
           </a:p>
           <a:p>
             <a:pPr algn="ctr"/>
             <a:r>
-              <a:rPr lang="en-US" b="1" dirty="0"/>
+              <a:rPr lang="en-US" b="1" dirty="0">
+                <a:latin typeface="Arial" panose="020B0604020202020204" pitchFamily="34" charset="0"/>
+                <a:cs typeface="Arial" panose="020B0604020202020204" pitchFamily="34" charset="0"/>
+              </a:rPr>
               <a:t>Dose A</a:t>
             </a:r>
-            <a:endParaRPr lang="en-GB" b="1" dirty="0"/>
+            <a:endParaRPr lang="en-GB" b="1" dirty="0">
+              <a:latin typeface="Arial" panose="020B0604020202020204" pitchFamily="34" charset="0"/>
+              <a:cs typeface="Arial" panose="020B0604020202020204" pitchFamily="34" charset="0"/>
+            </a:endParaRPr>
           </a:p>
         </p:txBody>
       </p:sp>
@@ -4175,8 +4225,8 @@
         </p:nvSpPr>
         <p:spPr>
           <a:xfrm>
-            <a:off x="3535301" y="1354542"/>
-            <a:ext cx="679994" cy="461665"/>
+            <a:off x="3525683" y="1354542"/>
+            <a:ext cx="699230" cy="461665"/>
           </a:xfrm>
           <a:prstGeom prst="rect">
             <a:avLst/>
@@ -4195,6 +4245,8 @@
                 <a:solidFill>
                   <a:srgbClr val="418927"/>
                 </a:solidFill>
+                <a:latin typeface="Arial" panose="020B0604020202020204" pitchFamily="34" charset="0"/>
+                <a:cs typeface="Arial" panose="020B0604020202020204" pitchFamily="34" charset="0"/>
               </a:rPr>
               <a:t>264</a:t>
             </a:r>
@@ -4202,6 +4254,8 @@
               <a:solidFill>
                 <a:srgbClr val="418927"/>
               </a:solidFill>
+              <a:latin typeface="Arial" panose="020B0604020202020204" pitchFamily="34" charset="0"/>
+              <a:cs typeface="Arial" panose="020B0604020202020204" pitchFamily="34" charset="0"/>
             </a:endParaRPr>
           </a:p>
         </p:txBody>
@@ -4240,6 +4294,8 @@
                 <a:solidFill>
                   <a:srgbClr val="418927"/>
                 </a:solidFill>
+                <a:latin typeface="Arial" panose="020B0604020202020204" pitchFamily="34" charset="0"/>
+                <a:cs typeface="Arial" panose="020B0604020202020204" pitchFamily="34" charset="0"/>
               </a:rPr>
               <a:t>37</a:t>
             </a:r>
@@ -4247,6 +4303,8 @@
               <a:solidFill>
                 <a:srgbClr val="418927"/>
               </a:solidFill>
+              <a:latin typeface="Arial" panose="020B0604020202020204" pitchFamily="34" charset="0"/>
+              <a:cs typeface="Arial" panose="020B0604020202020204" pitchFamily="34" charset="0"/>
             </a:endParaRPr>
           </a:p>
         </p:txBody>
@@ -4265,8 +4323,8 @@
         </p:nvSpPr>
         <p:spPr>
           <a:xfrm>
-            <a:off x="3535301" y="5913652"/>
-            <a:ext cx="679994" cy="461665"/>
+            <a:off x="3525683" y="5913652"/>
+            <a:ext cx="699230" cy="461665"/>
           </a:xfrm>
           <a:prstGeom prst="rect">
             <a:avLst/>
@@ -4285,6 +4343,8 @@
                 <a:solidFill>
                   <a:srgbClr val="418927"/>
                 </a:solidFill>
+                <a:latin typeface="Arial" panose="020B0604020202020204" pitchFamily="34" charset="0"/>
+                <a:cs typeface="Arial" panose="020B0604020202020204" pitchFamily="34" charset="0"/>
               </a:rPr>
               <a:t>136</a:t>
             </a:r>
@@ -4292,6 +4352,8 @@
               <a:solidFill>
                 <a:srgbClr val="418927"/>
               </a:solidFill>
+              <a:latin typeface="Arial" panose="020B0604020202020204" pitchFamily="34" charset="0"/>
+              <a:cs typeface="Arial" panose="020B0604020202020204" pitchFamily="34" charset="0"/>
             </a:endParaRPr>
           </a:p>
         </p:txBody>
@@ -4310,8 +4372,8 @@
         </p:nvSpPr>
         <p:spPr>
           <a:xfrm>
-            <a:off x="3617856" y="8457537"/>
-            <a:ext cx="514885" cy="461665"/>
+            <a:off x="3611444" y="8457537"/>
+            <a:ext cx="527709" cy="461665"/>
           </a:xfrm>
           <a:prstGeom prst="rect">
             <a:avLst/>
@@ -4330,6 +4392,8 @@
                 <a:solidFill>
                   <a:srgbClr val="418927"/>
                 </a:solidFill>
+                <a:latin typeface="Arial" panose="020B0604020202020204" pitchFamily="34" charset="0"/>
+                <a:cs typeface="Arial" panose="020B0604020202020204" pitchFamily="34" charset="0"/>
               </a:rPr>
               <a:t>92</a:t>
             </a:r>
@@ -4337,6 +4401,8 @@
               <a:solidFill>
                 <a:srgbClr val="418927"/>
               </a:solidFill>
+              <a:latin typeface="Arial" panose="020B0604020202020204" pitchFamily="34" charset="0"/>
+              <a:cs typeface="Arial" panose="020B0604020202020204" pitchFamily="34" charset="0"/>
             </a:endParaRPr>
           </a:p>
         </p:txBody>
@@ -4375,6 +4441,8 @@
                 <a:solidFill>
                   <a:srgbClr val="D050C1"/>
                 </a:solidFill>
+                <a:latin typeface="Arial" panose="020B0604020202020204" pitchFamily="34" charset="0"/>
+                <a:cs typeface="Arial" panose="020B0604020202020204" pitchFamily="34" charset="0"/>
               </a:rPr>
               <a:t>114</a:t>
             </a:r>
@@ -4382,6 +4450,8 @@
               <a:solidFill>
                 <a:srgbClr val="D050C1"/>
               </a:solidFill>
+              <a:latin typeface="Arial" panose="020B0604020202020204" pitchFamily="34" charset="0"/>
+              <a:cs typeface="Arial" panose="020B0604020202020204" pitchFamily="34" charset="0"/>
             </a:endParaRPr>
           </a:p>
         </p:txBody>
@@ -4400,8 +4470,8 @@
         </p:nvSpPr>
         <p:spPr>
           <a:xfrm>
-            <a:off x="7759460" y="3644914"/>
-            <a:ext cx="679994" cy="461665"/>
+            <a:off x="7749842" y="3644914"/>
+            <a:ext cx="699230" cy="461665"/>
           </a:xfrm>
           <a:prstGeom prst="rect">
             <a:avLst/>
@@ -4420,6 +4490,8 @@
                 <a:solidFill>
                   <a:srgbClr val="D050C1"/>
                 </a:solidFill>
+                <a:latin typeface="Arial" panose="020B0604020202020204" pitchFamily="34" charset="0"/>
+                <a:cs typeface="Arial" panose="020B0604020202020204" pitchFamily="34" charset="0"/>
               </a:rPr>
               <a:t>133</a:t>
             </a:r>
@@ -4427,6 +4499,8 @@
               <a:solidFill>
                 <a:srgbClr val="D050C1"/>
               </a:solidFill>
+              <a:latin typeface="Arial" panose="020B0604020202020204" pitchFamily="34" charset="0"/>
+              <a:cs typeface="Arial" panose="020B0604020202020204" pitchFamily="34" charset="0"/>
             </a:endParaRPr>
           </a:p>
         </p:txBody>
@@ -4445,8 +4519,8 @@
         </p:nvSpPr>
         <p:spPr>
           <a:xfrm>
-            <a:off x="7842015" y="5913652"/>
-            <a:ext cx="514885" cy="461665"/>
+            <a:off x="7835603" y="5913652"/>
+            <a:ext cx="527709" cy="461665"/>
           </a:xfrm>
           <a:prstGeom prst="rect">
             <a:avLst/>
@@ -4465,6 +4539,8 @@
                 <a:solidFill>
                   <a:srgbClr val="D050C1"/>
                 </a:solidFill>
+                <a:latin typeface="Arial" panose="020B0604020202020204" pitchFamily="34" charset="0"/>
+                <a:cs typeface="Arial" panose="020B0604020202020204" pitchFamily="34" charset="0"/>
               </a:rPr>
               <a:t>32</a:t>
             </a:r>
@@ -4472,6 +4548,8 @@
               <a:solidFill>
                 <a:srgbClr val="D050C1"/>
               </a:solidFill>
+              <a:latin typeface="Arial" panose="020B0604020202020204" pitchFamily="34" charset="0"/>
+              <a:cs typeface="Arial" panose="020B0604020202020204" pitchFamily="34" charset="0"/>
             </a:endParaRPr>
           </a:p>
         </p:txBody>
@@ -4490,8 +4568,8 @@
         </p:nvSpPr>
         <p:spPr>
           <a:xfrm>
-            <a:off x="7842015" y="8457537"/>
-            <a:ext cx="514885" cy="461665"/>
+            <a:off x="7835603" y="8457537"/>
+            <a:ext cx="527709" cy="461665"/>
           </a:xfrm>
           <a:prstGeom prst="rect">
             <a:avLst/>
@@ -4510,6 +4588,8 @@
                 <a:solidFill>
                   <a:srgbClr val="D050C1"/>
                 </a:solidFill>
+                <a:latin typeface="Arial" panose="020B0604020202020204" pitchFamily="34" charset="0"/>
+                <a:cs typeface="Arial" panose="020B0604020202020204" pitchFamily="34" charset="0"/>
               </a:rPr>
               <a:t>56</a:t>
             </a:r>
@@ -4517,6 +4597,8 @@
               <a:solidFill>
                 <a:srgbClr val="D050C1"/>
               </a:solidFill>
+              <a:latin typeface="Arial" panose="020B0604020202020204" pitchFamily="34" charset="0"/>
+              <a:cs typeface="Arial" panose="020B0604020202020204" pitchFamily="34" charset="0"/>
             </a:endParaRPr>
           </a:p>
         </p:txBody>
@@ -4578,8 +4660,8 @@
         </p:nvSpPr>
         <p:spPr>
           <a:xfrm>
-            <a:off x="7443668" y="10290443"/>
-            <a:ext cx="1311578" cy="461665"/>
+            <a:off x="7443668" y="10176702"/>
+            <a:ext cx="1418978" cy="461665"/>
           </a:xfrm>
           <a:prstGeom prst="rect">
             <a:avLst/>
@@ -4596,33 +4678,41 @@
           <a:lstStyle/>
           <a:p>
             <a:r>
-              <a:rPr lang="en-US" sz="2400" b="1" dirty="0">
+              <a:rPr lang="en-US" sz="2300" b="1" dirty="0">
                 <a:solidFill>
                   <a:sysClr val="windowText" lastClr="000000"/>
                 </a:solidFill>
+                <a:latin typeface="Arial" panose="020B0604020202020204" pitchFamily="34" charset="0"/>
+                <a:cs typeface="Arial" panose="020B0604020202020204" pitchFamily="34" charset="0"/>
               </a:rPr>
               <a:t>N</a:t>
             </a:r>
             <a:r>
-              <a:rPr lang="en-US" sz="2400" b="1" baseline="-25000" dirty="0">
+              <a:rPr lang="en-US" sz="2300" b="1" baseline="-25000" dirty="0">
                 <a:solidFill>
                   <a:sysClr val="windowText" lastClr="000000"/>
                 </a:solidFill>
+                <a:latin typeface="Arial" panose="020B0604020202020204" pitchFamily="34" charset="0"/>
+                <a:cs typeface="Arial" panose="020B0604020202020204" pitchFamily="34" charset="0"/>
               </a:rPr>
               <a:t>B</a:t>
             </a:r>
             <a:r>
-              <a:rPr lang="en-US" sz="2400" b="1" dirty="0">
+              <a:rPr lang="en-US" sz="2300" b="1" dirty="0">
                 <a:solidFill>
                   <a:sysClr val="windowText" lastClr="000000"/>
                 </a:solidFill>
+                <a:latin typeface="Arial" panose="020B0604020202020204" pitchFamily="34" charset="0"/>
+                <a:cs typeface="Arial" panose="020B0604020202020204" pitchFamily="34" charset="0"/>
               </a:rPr>
               <a:t> = 335</a:t>
             </a:r>
-            <a:endParaRPr lang="en-GB" sz="2400" b="1" dirty="0">
+            <a:endParaRPr lang="en-GB" sz="2300" b="1" dirty="0">
               <a:solidFill>
                 <a:sysClr val="windowText" lastClr="000000"/>
               </a:solidFill>
+              <a:latin typeface="Arial" panose="020B0604020202020204" pitchFamily="34" charset="0"/>
+              <a:cs typeface="Arial" panose="020B0604020202020204" pitchFamily="34" charset="0"/>
             </a:endParaRPr>
           </a:p>
         </p:txBody>
@@ -4641,8 +4731,8 @@
         </p:nvSpPr>
         <p:spPr>
           <a:xfrm>
-            <a:off x="3221113" y="10290443"/>
-            <a:ext cx="1308371" cy="461665"/>
+            <a:off x="3221113" y="10176702"/>
+            <a:ext cx="1411348" cy="461665"/>
           </a:xfrm>
           <a:prstGeom prst="rect">
             <a:avLst/>
@@ -4659,33 +4749,41 @@
           <a:lstStyle/>
           <a:p>
             <a:r>
-              <a:rPr lang="en-US" sz="2400" b="1" dirty="0">
+              <a:rPr lang="en-US" sz="2300" b="1" dirty="0">
                 <a:solidFill>
                   <a:sysClr val="windowText" lastClr="000000"/>
                 </a:solidFill>
+                <a:latin typeface="Arial" panose="020B0604020202020204" pitchFamily="34" charset="0"/>
+                <a:cs typeface="Arial" panose="020B0604020202020204" pitchFamily="34" charset="0"/>
               </a:rPr>
               <a:t>N</a:t>
             </a:r>
             <a:r>
-              <a:rPr lang="en-US" sz="2400" b="1" baseline="-25000" dirty="0">
+              <a:rPr lang="en-US" sz="2300" b="1" baseline="-25000" dirty="0">
                 <a:solidFill>
                   <a:sysClr val="windowText" lastClr="000000"/>
                 </a:solidFill>
+                <a:latin typeface="Arial" panose="020B0604020202020204" pitchFamily="34" charset="0"/>
+                <a:cs typeface="Arial" panose="020B0604020202020204" pitchFamily="34" charset="0"/>
               </a:rPr>
               <a:t>A</a:t>
             </a:r>
             <a:r>
-              <a:rPr lang="en-US" sz="2400" b="1" dirty="0">
+              <a:rPr lang="en-US" sz="2300" b="1" dirty="0">
                 <a:solidFill>
                   <a:sysClr val="windowText" lastClr="000000"/>
                 </a:solidFill>
+                <a:latin typeface="Arial" panose="020B0604020202020204" pitchFamily="34" charset="0"/>
+                <a:cs typeface="Arial" panose="020B0604020202020204" pitchFamily="34" charset="0"/>
               </a:rPr>
               <a:t> = 529</a:t>
             </a:r>
-            <a:endParaRPr lang="en-GB" sz="2400" b="1" dirty="0">
+            <a:endParaRPr lang="en-GB" sz="2300" b="1" dirty="0">
               <a:solidFill>
                 <a:sysClr val="windowText" lastClr="000000"/>
               </a:solidFill>
+              <a:latin typeface="Arial" panose="020B0604020202020204" pitchFamily="34" charset="0"/>
+              <a:cs typeface="Arial" panose="020B0604020202020204" pitchFamily="34" charset="0"/>
             </a:endParaRPr>
           </a:p>
         </p:txBody>
@@ -4789,10 +4887,16 @@
           <a:lstStyle/>
           <a:p>
             <a:r>
-              <a:rPr lang="en-US" sz="2400" b="1" dirty="0"/>
+              <a:rPr lang="en-US" sz="2400" b="1" dirty="0">
+                <a:latin typeface="Arial" panose="020B0604020202020204" pitchFamily="34" charset="0"/>
+                <a:cs typeface="Arial" panose="020B0604020202020204" pitchFamily="34" charset="0"/>
+              </a:rPr>
               <a:t>(1) Safety </a:t>
             </a:r>
-            <a:endParaRPr lang="en-GB" sz="2400" b="1" dirty="0"/>
+            <a:endParaRPr lang="en-GB" sz="2400" b="1" dirty="0">
+              <a:latin typeface="Arial" panose="020B0604020202020204" pitchFamily="34" charset="0"/>
+              <a:cs typeface="Arial" panose="020B0604020202020204" pitchFamily="34" charset="0"/>
+            </a:endParaRPr>
           </a:p>
         </p:txBody>
       </p:sp>
@@ -4825,10 +4929,16 @@
           <a:lstStyle/>
           <a:p>
             <a:r>
-              <a:rPr lang="en-US" sz="2400" b="1" dirty="0"/>
+              <a:rPr lang="en-US" sz="2400" b="1" dirty="0">
+                <a:latin typeface="Arial" panose="020B0604020202020204" pitchFamily="34" charset="0"/>
+                <a:cs typeface="Arial" panose="020B0604020202020204" pitchFamily="34" charset="0"/>
+              </a:rPr>
               <a:t>(2) Preliminary response</a:t>
             </a:r>
-            <a:endParaRPr lang="en-GB" sz="2400" b="1" dirty="0"/>
+            <a:endParaRPr lang="en-GB" sz="2400" b="1" dirty="0">
+              <a:latin typeface="Arial" panose="020B0604020202020204" pitchFamily="34" charset="0"/>
+              <a:cs typeface="Arial" panose="020B0604020202020204" pitchFamily="34" charset="0"/>
+            </a:endParaRPr>
           </a:p>
         </p:txBody>
       </p:sp>
@@ -4861,10 +4971,16 @@
           <a:lstStyle/>
           <a:p>
             <a:r>
-              <a:rPr lang="en-US" sz="2400" b="1" dirty="0"/>
+              <a:rPr lang="en-US" sz="2400" b="1" dirty="0">
+                <a:latin typeface="Arial" panose="020B0604020202020204" pitchFamily="34" charset="0"/>
+                <a:cs typeface="Arial" panose="020B0604020202020204" pitchFamily="34" charset="0"/>
+              </a:rPr>
               <a:t>(3a) Dose exposure</a:t>
             </a:r>
-            <a:endParaRPr lang="en-GB" sz="2400" b="1" dirty="0"/>
+            <a:endParaRPr lang="en-GB" sz="2400" b="1" dirty="0">
+              <a:latin typeface="Arial" panose="020B0604020202020204" pitchFamily="34" charset="0"/>
+              <a:cs typeface="Arial" panose="020B0604020202020204" pitchFamily="34" charset="0"/>
+            </a:endParaRPr>
           </a:p>
         </p:txBody>
       </p:sp>
@@ -4897,10 +5013,16 @@
           <a:lstStyle/>
           <a:p>
             <a:r>
-              <a:rPr lang="en-US" sz="2400" b="1" dirty="0"/>
+              <a:rPr lang="en-US" sz="2400" b="1" dirty="0">
+                <a:latin typeface="Arial" panose="020B0604020202020204" pitchFamily="34" charset="0"/>
+                <a:cs typeface="Arial" panose="020B0604020202020204" pitchFamily="34" charset="0"/>
+              </a:rPr>
               <a:t>(3b) PROs</a:t>
             </a:r>
-            <a:endParaRPr lang="en-GB" sz="2400" b="1" dirty="0"/>
+            <a:endParaRPr lang="en-GB" sz="2400" b="1" dirty="0">
+              <a:latin typeface="Arial" panose="020B0604020202020204" pitchFamily="34" charset="0"/>
+              <a:cs typeface="Arial" panose="020B0604020202020204" pitchFamily="34" charset="0"/>
+            </a:endParaRPr>
           </a:p>
         </p:txBody>
       </p:sp>
@@ -4962,7 +5084,7 @@
         <p:spPr>
           <a:xfrm>
             <a:off x="-2484" y="10007425"/>
-            <a:ext cx="3151825" cy="830997"/>
+            <a:ext cx="3169457" cy="800219"/>
           </a:xfrm>
           <a:prstGeom prst="rect">
             <a:avLst/>
@@ -4979,27 +5101,33 @@
           <a:lstStyle/>
           <a:p>
             <a:r>
-              <a:rPr lang="en-US" sz="2400" b="1" dirty="0">
+              <a:rPr lang="en-US" sz="2300" b="1" dirty="0">
                 <a:solidFill>
                   <a:sysClr val="windowText" lastClr="000000"/>
                 </a:solidFill>
+                <a:latin typeface="Arial" panose="020B0604020202020204" pitchFamily="34" charset="0"/>
+                <a:cs typeface="Arial" panose="020B0604020202020204" pitchFamily="34" charset="0"/>
               </a:rPr>
               <a:t>WR = 0.63 [0.34, 1.18]</a:t>
             </a:r>
           </a:p>
           <a:p>
             <a:r>
-              <a:rPr lang="en-US" sz="2400" b="1" dirty="0">
+              <a:rPr lang="en-US" sz="2300" b="1" dirty="0">
                 <a:solidFill>
                   <a:sysClr val="windowText" lastClr="000000"/>
                 </a:solidFill>
+                <a:latin typeface="Arial" panose="020B0604020202020204" pitchFamily="34" charset="0"/>
+                <a:cs typeface="Arial" panose="020B0604020202020204" pitchFamily="34" charset="0"/>
               </a:rPr>
               <a:t>(p=0.15)</a:t>
             </a:r>
-            <a:endParaRPr lang="en-GB" sz="2400" b="1" dirty="0">
+            <a:endParaRPr lang="en-GB" sz="2300" b="1" dirty="0">
               <a:solidFill>
                 <a:sysClr val="windowText" lastClr="000000"/>
               </a:solidFill>
+              <a:latin typeface="Arial" panose="020B0604020202020204" pitchFamily="34" charset="0"/>
+              <a:cs typeface="Arial" panose="020B0604020202020204" pitchFamily="34" charset="0"/>
             </a:endParaRPr>
           </a:p>
         </p:txBody>

--- a/figures/case_study.pptx
+++ b/figures/case_study.pptx
@@ -115,8 +115,56 @@
 </p:presentation>
 </file>
 
+<file path=ppt/revisionInfo.xml><?xml version="1.0" encoding="utf-8"?>
+<p1510:revInfo xmlns:a="http://schemas.openxmlformats.org/drawingml/2006/main" xmlns:r="http://schemas.openxmlformats.org/officeDocument/2006/relationships" xmlns:p1510="http://schemas.microsoft.com/office/powerpoint/2015/10/main">
+  <p1510:revLst>
+    <p1510:client id="{2C230B36-06AC-4D3C-9E0F-E6A851FE6E19}" v="1" dt="2025-10-06T09:50:16.679"/>
+  </p1510:revLst>
+</p1510:revInfo>
+</file>
+
 <file path=ppt/changesInfos/changesInfo1.xml><?xml version="1.0" encoding="utf-8"?>
 <pc:chgInfo xmlns:a="http://schemas.openxmlformats.org/drawingml/2006/main" xmlns:r="http://schemas.openxmlformats.org/officeDocument/2006/relationships" xmlns:ac="http://schemas.microsoft.com/office/drawing/2013/main/command" xmlns:pc="http://schemas.microsoft.com/office/powerpoint/2013/main/command">
+  <pc:docChgLst>
+    <pc:chgData name="Emily Alger" userId="76f5092c-d121-46ae-b2ca-9f7db7604ced" providerId="ADAL" clId="{2C230B36-06AC-4D3C-9E0F-E6A851FE6E19}"/>
+    <pc:docChg chg="modSld">
+      <pc:chgData name="Emily Alger" userId="76f5092c-d121-46ae-b2ca-9f7db7604ced" providerId="ADAL" clId="{2C230B36-06AC-4D3C-9E0F-E6A851FE6E19}" dt="2025-10-06T09:50:49.684" v="37" actId="1037"/>
+      <pc:docMkLst>
+        <pc:docMk/>
+      </pc:docMkLst>
+      <pc:sldChg chg="modSp mod">
+        <pc:chgData name="Emily Alger" userId="76f5092c-d121-46ae-b2ca-9f7db7604ced" providerId="ADAL" clId="{2C230B36-06AC-4D3C-9E0F-E6A851FE6E19}" dt="2025-10-06T09:50:49.684" v="37" actId="1037"/>
+        <pc:sldMkLst>
+          <pc:docMk/>
+          <pc:sldMk cId="937826428" sldId="256"/>
+        </pc:sldMkLst>
+        <pc:spChg chg="mod">
+          <ac:chgData name="Emily Alger" userId="76f5092c-d121-46ae-b2ca-9f7db7604ced" providerId="ADAL" clId="{2C230B36-06AC-4D3C-9E0F-E6A851FE6E19}" dt="2025-10-06T09:50:49.684" v="37" actId="1037"/>
+          <ac:spMkLst>
+            <pc:docMk/>
+            <pc:sldMk cId="937826428" sldId="256"/>
+            <ac:spMk id="65" creationId="{1391508C-781E-B700-D8CF-6E9C28B60C4B}"/>
+          </ac:spMkLst>
+        </pc:spChg>
+        <pc:spChg chg="mod">
+          <ac:chgData name="Emily Alger" userId="76f5092c-d121-46ae-b2ca-9f7db7604ced" providerId="ADAL" clId="{2C230B36-06AC-4D3C-9E0F-E6A851FE6E19}" dt="2025-10-06T09:48:57.120" v="12" actId="20577"/>
+          <ac:spMkLst>
+            <pc:docMk/>
+            <pc:sldMk cId="937826428" sldId="256"/>
+            <ac:spMk id="91" creationId="{C5716ACA-3BE0-8D49-725D-11602F81AF89}"/>
+          </ac:spMkLst>
+        </pc:spChg>
+        <pc:spChg chg="mod">
+          <ac:chgData name="Emily Alger" userId="76f5092c-d121-46ae-b2ca-9f7db7604ced" providerId="ADAL" clId="{2C230B36-06AC-4D3C-9E0F-E6A851FE6E19}" dt="2025-10-06T09:50:36.880" v="29" actId="255"/>
+          <ac:spMkLst>
+            <pc:docMk/>
+            <pc:sldMk cId="937826428" sldId="256"/>
+            <ac:spMk id="94" creationId="{D6C66558-A788-CBCA-B30F-CEA0EBD5E540}"/>
+          </ac:spMkLst>
+        </pc:spChg>
+      </pc:sldChg>
+    </pc:docChg>
+  </pc:docChgLst>
   <pc:docChgLst>
     <pc:chgData name="Emily Alger" userId="76f5092c-d121-46ae-b2ca-9f7db7604ced" providerId="ADAL" clId="{E78AC1E2-C9C0-4664-80FC-7AAA10329627}"/>
     <pc:docChg chg="undo custSel modSld">
@@ -418,7 +466,7 @@
           <a:p>
             <a:fld id="{FA426993-066B-4848-8850-0B16CB6DDF3B}" type="datetimeFigureOut">
               <a:rPr lang="en-GB" smtClean="0"/>
-              <a:t>19/09/2025</a:t>
+              <a:t>06/10/2025</a:t>
             </a:fld>
             <a:endParaRPr lang="en-GB"/>
           </a:p>
@@ -901,7 +949,7 @@
           <a:p>
             <a:fld id="{DE3CCEF4-2ED2-4CC9-8E49-9CFB31B91167}" type="datetimeFigureOut">
               <a:rPr lang="en-GB" smtClean="0"/>
-              <a:t>19/09/2025</a:t>
+              <a:t>06/10/2025</a:t>
             </a:fld>
             <a:endParaRPr lang="en-GB"/>
           </a:p>
@@ -1071,7 +1119,7 @@
           <a:p>
             <a:fld id="{DE3CCEF4-2ED2-4CC9-8E49-9CFB31B91167}" type="datetimeFigureOut">
               <a:rPr lang="en-GB" smtClean="0"/>
-              <a:t>19/09/2025</a:t>
+              <a:t>06/10/2025</a:t>
             </a:fld>
             <a:endParaRPr lang="en-GB"/>
           </a:p>
@@ -1251,7 +1299,7 @@
           <a:p>
             <a:fld id="{DE3CCEF4-2ED2-4CC9-8E49-9CFB31B91167}" type="datetimeFigureOut">
               <a:rPr lang="en-GB" smtClean="0"/>
-              <a:t>19/09/2025</a:t>
+              <a:t>06/10/2025</a:t>
             </a:fld>
             <a:endParaRPr lang="en-GB"/>
           </a:p>
@@ -1421,7 +1469,7 @@
           <a:p>
             <a:fld id="{DE3CCEF4-2ED2-4CC9-8E49-9CFB31B91167}" type="datetimeFigureOut">
               <a:rPr lang="en-GB" smtClean="0"/>
-              <a:t>19/09/2025</a:t>
+              <a:t>06/10/2025</a:t>
             </a:fld>
             <a:endParaRPr lang="en-GB"/>
           </a:p>
@@ -1667,7 +1715,7 @@
           <a:p>
             <a:fld id="{DE3CCEF4-2ED2-4CC9-8E49-9CFB31B91167}" type="datetimeFigureOut">
               <a:rPr lang="en-GB" smtClean="0"/>
-              <a:t>19/09/2025</a:t>
+              <a:t>06/10/2025</a:t>
             </a:fld>
             <a:endParaRPr lang="en-GB"/>
           </a:p>
@@ -1899,7 +1947,7 @@
           <a:p>
             <a:fld id="{DE3CCEF4-2ED2-4CC9-8E49-9CFB31B91167}" type="datetimeFigureOut">
               <a:rPr lang="en-GB" smtClean="0"/>
-              <a:t>19/09/2025</a:t>
+              <a:t>06/10/2025</a:t>
             </a:fld>
             <a:endParaRPr lang="en-GB"/>
           </a:p>
@@ -2266,7 +2314,7 @@
           <a:p>
             <a:fld id="{DE3CCEF4-2ED2-4CC9-8E49-9CFB31B91167}" type="datetimeFigureOut">
               <a:rPr lang="en-GB" smtClean="0"/>
-              <a:t>19/09/2025</a:t>
+              <a:t>06/10/2025</a:t>
             </a:fld>
             <a:endParaRPr lang="en-GB"/>
           </a:p>
@@ -2384,7 +2432,7 @@
           <a:p>
             <a:fld id="{DE3CCEF4-2ED2-4CC9-8E49-9CFB31B91167}" type="datetimeFigureOut">
               <a:rPr lang="en-GB" smtClean="0"/>
-              <a:t>19/09/2025</a:t>
+              <a:t>06/10/2025</a:t>
             </a:fld>
             <a:endParaRPr lang="en-GB"/>
           </a:p>
@@ -2479,7 +2527,7 @@
           <a:p>
             <a:fld id="{DE3CCEF4-2ED2-4CC9-8E49-9CFB31B91167}" type="datetimeFigureOut">
               <a:rPr lang="en-GB" smtClean="0"/>
-              <a:t>19/09/2025</a:t>
+              <a:t>06/10/2025</a:t>
             </a:fld>
             <a:endParaRPr lang="en-GB"/>
           </a:p>
@@ -2756,7 +2804,7 @@
           <a:p>
             <a:fld id="{DE3CCEF4-2ED2-4CC9-8E49-9CFB31B91167}" type="datetimeFigureOut">
               <a:rPr lang="en-GB" smtClean="0"/>
-              <a:t>19/09/2025</a:t>
+              <a:t>06/10/2025</a:t>
             </a:fld>
             <a:endParaRPr lang="en-GB"/>
           </a:p>
@@ -3013,7 +3061,7 @@
           <a:p>
             <a:fld id="{DE3CCEF4-2ED2-4CC9-8E49-9CFB31B91167}" type="datetimeFigureOut">
               <a:rPr lang="en-GB" smtClean="0"/>
-              <a:t>19/09/2025</a:t>
+              <a:t>06/10/2025</a:t>
             </a:fld>
             <a:endParaRPr lang="en-GB"/>
           </a:p>
@@ -3226,7 +3274,7 @@
           <a:p>
             <a:fld id="{DE3CCEF4-2ED2-4CC9-8E49-9CFB31B91167}" type="datetimeFigureOut">
               <a:rPr lang="en-GB" smtClean="0"/>
-              <a:t>19/09/2025</a:t>
+              <a:t>06/10/2025</a:t>
             </a:fld>
             <a:endParaRPr lang="en-GB"/>
           </a:p>
@@ -4077,7 +4125,7 @@
         </p:nvSpPr>
         <p:spPr>
           <a:xfrm>
-            <a:off x="7073154" y="229227"/>
+            <a:off x="7039290" y="229227"/>
             <a:ext cx="1928733" cy="646331"/>
           </a:xfrm>
           <a:prstGeom prst="rect">
@@ -4975,7 +5023,7 @@
                 <a:latin typeface="Arial" panose="020B0604020202020204" pitchFamily="34" charset="0"/>
                 <a:cs typeface="Arial" panose="020B0604020202020204" pitchFamily="34" charset="0"/>
               </a:rPr>
-              <a:t>(3a) Dose exposure</a:t>
+              <a:t>(3a) Dose intensity</a:t>
             </a:r>
             <a:endParaRPr lang="en-GB" sz="2400" b="1" dirty="0">
               <a:latin typeface="Arial" panose="020B0604020202020204" pitchFamily="34" charset="0"/>
@@ -5084,7 +5132,7 @@
         <p:spPr>
           <a:xfrm>
             <a:off x="-2484" y="10007425"/>
-            <a:ext cx="3169457" cy="800219"/>
+            <a:ext cx="3102131" cy="723275"/>
           </a:xfrm>
           <a:prstGeom prst="rect">
             <a:avLst/>
@@ -5108,21 +5156,21 @@
                 <a:latin typeface="Arial" panose="020B0604020202020204" pitchFamily="34" charset="0"/>
                 <a:cs typeface="Arial" panose="020B0604020202020204" pitchFamily="34" charset="0"/>
               </a:rPr>
-              <a:t>WR = 0.63 [0.34, 1.18]</a:t>
-            </a:r>
-          </a:p>
-          <a:p>
-            <a:r>
-              <a:rPr lang="en-US" sz="2300" b="1" dirty="0">
+              <a:t>WR = 0.63</a:t>
+            </a:r>
+          </a:p>
+          <a:p>
+            <a:r>
+              <a:rPr lang="en-US" b="1" dirty="0">
                 <a:solidFill>
                   <a:sysClr val="windowText" lastClr="000000"/>
                 </a:solidFill>
                 <a:latin typeface="Arial" panose="020B0604020202020204" pitchFamily="34" charset="0"/>
                 <a:cs typeface="Arial" panose="020B0604020202020204" pitchFamily="34" charset="0"/>
               </a:rPr>
-              <a:t>(p=0.15)</a:t>
-            </a:r>
-            <a:endParaRPr lang="en-GB" sz="2300" b="1" dirty="0">
+              <a:t>95% CI [0.34, 1.18] , p=0.15</a:t>
+            </a:r>
+            <a:endParaRPr lang="en-GB" b="1" dirty="0">
               <a:solidFill>
                 <a:sysClr val="windowText" lastClr="000000"/>
               </a:solidFill>
